--- a/SecurityandIdentity.pptx
+++ b/SecurityandIdentity.pptx
@@ -39,27 +39,27 @@
   <p:notesSz cx="6858000" cy="9144000"/>
   <p:embeddedFontLst>
     <p:embeddedFont>
-      <p:font typeface="Segoe UI" pitchFamily="34" charset="0"/>
+      <p:font typeface="Consolas" panose="020B0609020204030204" pitchFamily="49" charset="0"/>
       <p:regular r:id="rId27"/>
       <p:bold r:id="rId28"/>
       <p:italic r:id="rId29"/>
       <p:boldItalic r:id="rId30"/>
     </p:embeddedFont>
     <p:embeddedFont>
-      <p:font typeface="Bradley Hand ITC" pitchFamily="66" charset="0"/>
+      <p:font typeface="Bradley Hand ITC" panose="03070402050302030203" pitchFamily="66" charset="0"/>
       <p:regular r:id="rId31"/>
     </p:embeddedFont>
     <p:embeddedFont>
-      <p:font typeface="Consolas" pitchFamily="49" charset="0"/>
+      <p:font typeface="Segoe UI Light" panose="020B0502040204020203" pitchFamily="34" charset="0"/>
       <p:regular r:id="rId32"/>
-      <p:bold r:id="rId33"/>
-      <p:italic r:id="rId34"/>
-      <p:boldItalic r:id="rId35"/>
+      <p:italic r:id="rId33"/>
     </p:embeddedFont>
     <p:embeddedFont>
-      <p:font typeface="Segoe UI Light" pitchFamily="34" charset="0"/>
-      <p:regular r:id="rId36"/>
-      <p:italic r:id="rId37"/>
+      <p:font typeface="Segoe UI" panose="020B0502040204020203" pitchFamily="34" charset="0"/>
+      <p:regular r:id="rId34"/>
+      <p:bold r:id="rId35"/>
+      <p:italic r:id="rId36"/>
+      <p:boldItalic r:id="rId37"/>
     </p:embeddedFont>
   </p:embeddedFontLst>
   <p:custDataLst>
@@ -160,7 +160,66 @@
       </a:defRPr>
     </a:lvl9pPr>
   </p:defaultTextStyle>
-  <p:extLst/>
+  <p:extLst>
+    <p:ext uri="{EFAFB233-063F-42B5-8137-9DF3F51BA10A}">
+      <p15:sldGuideLst xmlns:p15="http://schemas.microsoft.com/office/powerpoint/2012/main">
+        <p15:guide id="1" orient="horz" pos="144">
+          <p15:clr>
+            <a:srgbClr val="A4A3A4"/>
+          </p15:clr>
+        </p15:guide>
+        <p15:guide id="2" orient="horz" pos="1241">
+          <p15:clr>
+            <a:srgbClr val="A4A3A4"/>
+          </p15:clr>
+        </p15:guide>
+        <p15:guide id="3" orient="horz" pos="4176">
+          <p15:clr>
+            <a:srgbClr val="A4A3A4"/>
+          </p15:clr>
+        </p15:guide>
+        <p15:guide id="4" orient="horz" pos="922">
+          <p15:clr>
+            <a:srgbClr val="A4A3A4"/>
+          </p15:clr>
+        </p15:guide>
+        <p15:guide id="5" orient="horz" pos="3948">
+          <p15:clr>
+            <a:srgbClr val="A4A3A4"/>
+          </p15:clr>
+        </p15:guide>
+        <p15:guide id="6" pos="327">
+          <p15:clr>
+            <a:srgbClr val="A4A3A4"/>
+          </p15:clr>
+        </p15:guide>
+        <p15:guide id="7" pos="7350">
+          <p15:clr>
+            <a:srgbClr val="A4A3A4"/>
+          </p15:clr>
+        </p15:guide>
+        <p15:guide id="8" pos="3840">
+          <p15:clr>
+            <a:srgbClr val="A4A3A4"/>
+          </p15:clr>
+        </p15:guide>
+      </p15:sldGuideLst>
+    </p:ext>
+    <p:ext uri="{2D200454-40CA-4A62-9FC3-DE9A4176ACB9}">
+      <p15:notesGuideLst xmlns:p15="http://schemas.microsoft.com/office/powerpoint/2012/main">
+        <p15:guide id="1" orient="horz" pos="2880">
+          <p15:clr>
+            <a:srgbClr val="A4A3A4"/>
+          </p15:clr>
+        </p15:guide>
+        <p15:guide id="2" pos="2160">
+          <p15:clr>
+            <a:srgbClr val="A4A3A4"/>
+          </p15:clr>
+        </p15:guide>
+      </p15:notesGuideLst>
+    </p:ext>
+  </p:extLst>
 </p:presentation>
 </file>
 
@@ -257,7 +316,7 @@
                 <a:latin typeface="Segoe UI" pitchFamily="34" charset="0"/>
               </a:rPr>
               <a:pPr/>
-              <a:t>7/20/2012</a:t>
+              <a:t>9/20/2012</a:t>
             </a:fld>
             <a:endParaRPr lang="en-US" dirty="0">
               <a:latin typeface="Segoe UI" pitchFamily="34" charset="0"/>
@@ -473,7 +532,7 @@
             <a:fld id="{7C3FBCD4-166E-446F-AF18-7D4A0CF9AEF6}" type="datetimeFigureOut">
               <a:rPr lang="en-US" smtClean="0"/>
               <a:pPr/>
-              <a:t>7/20/2012</a:t>
+              <a:t>9/20/2012</a:t>
             </a:fld>
             <a:endParaRPr lang="en-US" dirty="0"/>
           </a:p>
@@ -863,6 +922,136 @@
         </p:nvSpPr>
         <p:spPr/>
         <p:txBody>
+          <a:bodyPr/>
+          <a:lstStyle/>
+          <a:p>
+            <a:pPr marL="0" marR="0" indent="0" algn="l" defTabSz="914255" rtl="0" eaLnBrk="1" fontAlgn="auto" latinLnBrk="0" hangingPunct="1">
+              <a:lnSpc>
+                <a:spcPct val="90000"/>
+              </a:lnSpc>
+              <a:spcBef>
+                <a:spcPts val="0"/>
+              </a:spcBef>
+              <a:spcAft>
+                <a:spcPts val="333"/>
+              </a:spcAft>
+              <a:buClrTx/>
+              <a:buSzTx/>
+              <a:buFontTx/>
+              <a:buNone/>
+              <a:tabLst/>
+              <a:defRPr/>
+            </a:pPr>
+            <a:r>
+              <a:rPr lang="en-US" sz="900" b="1" kern="1200" dirty="0" smtClean="0">
+                <a:solidFill>
+                  <a:schemeClr val="tx1"/>
+                </a:solidFill>
+                <a:effectLst/>
+                <a:latin typeface="Segoe UI" pitchFamily="34" charset="0"/>
+                <a:ea typeface="+mn-ea"/>
+                <a:cs typeface="+mn-cs"/>
+              </a:rPr>
+              <a:t>Objectives:</a:t>
+            </a:r>
+            <a:endParaRPr lang="en-US" sz="900" b="0" dirty="0" smtClean="0"/>
+          </a:p>
+          <a:p>
+            <a:pPr marL="171450" indent="-171450" defTabSz="914255">
+              <a:buFont typeface="Arial" pitchFamily="34" charset="0"/>
+              <a:buChar char="•"/>
+              <a:defRPr/>
+            </a:pPr>
+            <a:r>
+              <a:rPr lang="en-US" sz="900" b="0" dirty="0" smtClean="0"/>
+              <a:t>This is a</a:t>
+            </a:r>
+            <a:r>
+              <a:rPr lang="en-US" sz="900" b="0" baseline="0" dirty="0" smtClean="0"/>
+              <a:t> presentation that introduces key concepts of claim-based architecture.</a:t>
+            </a:r>
+            <a:endParaRPr lang="en-US" dirty="0"/>
+          </a:p>
+        </p:txBody>
+      </p:sp>
+      <p:sp>
+        <p:nvSpPr>
+          <p:cNvPr id="4" name="Slide Number Placeholder 3"/>
+          <p:cNvSpPr>
+            <a:spLocks noGrp="1"/>
+          </p:cNvSpPr>
+          <p:nvPr>
+            <p:ph type="sldNum" sz="quarter" idx="10"/>
+          </p:nvPr>
+        </p:nvSpPr>
+        <p:spPr/>
+        <p:txBody>
+          <a:bodyPr/>
+          <a:lstStyle/>
+          <a:p>
+            <a:fld id="{8B263312-38AA-4E1E-B2B5-0F8F122B24FE}" type="slidenum">
+              <a:rPr lang="en-US" smtClean="0"/>
+              <a:pPr/>
+              <a:t>1</a:t>
+            </a:fld>
+            <a:endParaRPr lang="en-US" dirty="0"/>
+          </a:p>
+        </p:txBody>
+      </p:sp>
+    </p:spTree>
+    <p:extLst>
+      <p:ext uri="{BB962C8B-B14F-4D97-AF65-F5344CB8AC3E}">
+        <p14:creationId xmlns:p14="http://schemas.microsoft.com/office/powerpoint/2010/main" val="2732218770"/>
+      </p:ext>
+    </p:extLst>
+  </p:cSld>
+  <p:clrMapOvr>
+    <a:masterClrMapping/>
+  </p:clrMapOvr>
+</p:notes>
+</file>
+
+<file path=ppt/notesSlides/notesSlide2.xml><?xml version="1.0" encoding="utf-8"?>
+<p:notes xmlns:a="http://schemas.openxmlformats.org/drawingml/2006/main" xmlns:r="http://schemas.openxmlformats.org/officeDocument/2006/relationships" xmlns:p="http://schemas.openxmlformats.org/presentationml/2006/main">
+  <p:cSld>
+    <p:spTree>
+      <p:nvGrpSpPr>
+        <p:cNvPr id="1" name=""/>
+        <p:cNvGrpSpPr/>
+        <p:nvPr/>
+      </p:nvGrpSpPr>
+      <p:grpSpPr>
+        <a:xfrm>
+          <a:off x="0" y="0"/>
+          <a:ext cx="0" cy="0"/>
+          <a:chOff x="0" y="0"/>
+          <a:chExt cx="0" cy="0"/>
+        </a:xfrm>
+      </p:grpSpPr>
+      <p:sp>
+        <p:nvSpPr>
+          <p:cNvPr id="2" name="Slide Image Placeholder 1"/>
+          <p:cNvSpPr>
+            <a:spLocks noGrp="1" noRot="1" noChangeAspect="1"/>
+          </p:cNvSpPr>
+          <p:nvPr>
+            <p:ph type="sldImg"/>
+          </p:nvPr>
+        </p:nvSpPr>
+        <p:spPr/>
+      </p:sp>
+      <p:sp>
+        <p:nvSpPr>
+          <p:cNvPr id="3" name="Notes Placeholder 2"/>
+          <p:cNvSpPr>
+            <a:spLocks noGrp="1"/>
+          </p:cNvSpPr>
+          <p:nvPr>
+            <p:ph type="body" idx="1"/>
+          </p:nvPr>
+        </p:nvSpPr>
+        <p:spPr/>
+        <p:txBody>
           <a:bodyPr>
             <a:normAutofit/>
           </a:bodyPr>
@@ -895,7 +1084,19 @@
                 <a:ea typeface="+mn-ea"/>
                 <a:cs typeface="+mn-cs"/>
               </a:rPr>
-              <a:t>Slide Objectives:</a:t>
+              <a:t>Objectives</a:t>
+            </a:r>
+            <a:r>
+              <a:rPr lang="en-US" sz="1200" b="1" kern="1200" dirty="0" smtClean="0">
+                <a:solidFill>
+                  <a:schemeClr val="tx1"/>
+                </a:solidFill>
+                <a:effectLst/>
+                <a:latin typeface="Segoe UI" pitchFamily="34" charset="0"/>
+                <a:ea typeface="+mn-ea"/>
+                <a:cs typeface="+mn-cs"/>
+              </a:rPr>
+              <a:t>:</a:t>
             </a:r>
             <a:endParaRPr lang="en-US" sz="1200" b="0" dirty="0" smtClean="0"/>
           </a:p>
@@ -907,19 +1108,7 @@
             </a:pPr>
             <a:r>
               <a:rPr lang="en-US" sz="1200" b="0" dirty="0" smtClean="0"/>
-              <a:t>Security is a common request of applications. However implementing **proper** security is hard. Also, additional security-related code increases complexity and attacking </a:t>
-            </a:r>
-            <a:r>
-              <a:rPr lang="en-US" sz="1200" b="0" dirty="0" smtClean="0"/>
-              <a:t>surface to </a:t>
-            </a:r>
-            <a:r>
-              <a:rPr lang="en-US" sz="1200" b="0" dirty="0" smtClean="0"/>
-              <a:t>your applications. We need authentication and authorization abstracted away so we can focus on business logics</a:t>
-            </a:r>
-            <a:r>
-              <a:rPr lang="en-US" sz="1200" b="0" dirty="0" smtClean="0"/>
-              <a:t>.</a:t>
+              <a:t>Security is a common request of applications. However implementing **proper** security is hard. Also, additional security-related code increases complexity and attacking surface to your applications. We need authentication and authorization abstracted away so we can focus on business logics.</a:t>
             </a:r>
           </a:p>
           <a:p>
@@ -1161,7 +1350,7 @@
 </p:notes>
 </file>
 
-<file path=ppt/notesSlides/notesSlide2.xml><?xml version="1.0" encoding="utf-8"?>
+<file path=ppt/notesSlides/notesSlide3.xml><?xml version="1.0" encoding="utf-8"?>
 <p:notes xmlns:a="http://schemas.openxmlformats.org/drawingml/2006/main" xmlns:r="http://schemas.openxmlformats.org/officeDocument/2006/relationships" xmlns:p="http://schemas.openxmlformats.org/presentationml/2006/main">
   <p:cSld>
     <p:spTree>
@@ -1234,7 +1423,19 @@
                 <a:ea typeface="+mn-ea"/>
                 <a:cs typeface="+mn-cs"/>
               </a:rPr>
-              <a:t>Slide Objectives:</a:t>
+              <a:t>Objectives</a:t>
+            </a:r>
+            <a:r>
+              <a:rPr lang="en-US" sz="1200" b="1" kern="1200" dirty="0" smtClean="0">
+                <a:solidFill>
+                  <a:schemeClr val="tx1"/>
+                </a:solidFill>
+                <a:effectLst/>
+                <a:latin typeface="Segoe UI" pitchFamily="34" charset="0"/>
+                <a:ea typeface="+mn-ea"/>
+                <a:cs typeface="+mn-cs"/>
+              </a:rPr>
+              <a:t>:</a:t>
             </a:r>
             <a:endParaRPr lang="en-US" sz="1200" b="0" dirty="0" smtClean="0"/>
           </a:p>
@@ -1293,15 +1494,7 @@
             </a:pPr>
             <a:r>
               <a:rPr lang="en-US" sz="1200" b="0" dirty="0" smtClean="0"/>
-              <a:t>On </a:t>
-            </a:r>
-            <a:r>
-              <a:rPr lang="en-US" sz="1200" b="0" dirty="0" smtClean="0"/>
-              <a:t>Windows Azure, this “someone” is ACS + WIF</a:t>
-            </a:r>
-            <a:r>
-              <a:rPr lang="en-US" sz="1200" b="0" dirty="0" smtClean="0"/>
-              <a:t>.</a:t>
+              <a:t>On Windows Azure, this “someone” is ACS + WIF.</a:t>
             </a:r>
           </a:p>
           <a:p>
@@ -1585,7 +1778,7 @@
 </p:notes>
 </file>
 
-<file path=ppt/notesSlides/notesSlide3.xml><?xml version="1.0" encoding="utf-8"?>
+<file path=ppt/notesSlides/notesSlide4.xml><?xml version="1.0" encoding="utf-8"?>
 <p:notes xmlns:a="http://schemas.openxmlformats.org/drawingml/2006/main" xmlns:r="http://schemas.openxmlformats.org/officeDocument/2006/relationships" xmlns:p="http://schemas.openxmlformats.org/presentationml/2006/main">
   <p:cSld>
     <p:spTree>
@@ -1964,7 +2157,7 @@
 </p:notes>
 </file>
 
-<file path=ppt/notesSlides/notesSlide4.xml><?xml version="1.0" encoding="utf-8"?>
+<file path=ppt/notesSlides/notesSlide5.xml><?xml version="1.0" encoding="utf-8"?>
 <p:notes xmlns:a="http://schemas.openxmlformats.org/drawingml/2006/main" xmlns:r="http://schemas.openxmlformats.org/officeDocument/2006/relationships" xmlns:p="http://schemas.openxmlformats.org/presentationml/2006/main">
   <p:cSld>
     <p:spTree>
@@ -2082,7 +2275,7 @@
 </p:notes>
 </file>
 
-<file path=ppt/notesSlides/notesSlide5.xml><?xml version="1.0" encoding="utf-8"?>
+<file path=ppt/notesSlides/notesSlide6.xml><?xml version="1.0" encoding="utf-8"?>
 <p:notes xmlns:a="http://schemas.openxmlformats.org/drawingml/2006/main" xmlns:r="http://schemas.openxmlformats.org/officeDocument/2006/relationships" xmlns:p="http://schemas.openxmlformats.org/presentationml/2006/main">
   <p:cSld>
     <p:spTree>
@@ -2200,7 +2393,7 @@
 </p:notes>
 </file>
 
-<file path=ppt/notesSlides/notesSlide6.xml><?xml version="1.0" encoding="utf-8"?>
+<file path=ppt/notesSlides/notesSlide7.xml><?xml version="1.0" encoding="utf-8"?>
 <p:notes xmlns:a="http://schemas.openxmlformats.org/drawingml/2006/main" xmlns:r="http://schemas.openxmlformats.org/officeDocument/2006/relationships" xmlns:p="http://schemas.openxmlformats.org/presentationml/2006/main">
   <p:cSld>
     <p:spTree>
@@ -2318,7 +2511,7 @@
 </p:notes>
 </file>
 
-<file path=ppt/notesSlides/notesSlide7.xml><?xml version="1.0" encoding="utf-8"?>
+<file path=ppt/notesSlides/notesSlide8.xml><?xml version="1.0" encoding="utf-8"?>
 <p:notes xmlns:a="http://schemas.openxmlformats.org/drawingml/2006/main" xmlns:r="http://schemas.openxmlformats.org/officeDocument/2006/relationships" xmlns:p="http://schemas.openxmlformats.org/presentationml/2006/main">
   <p:cSld>
     <p:spTree>
